--- a/lab3/HW3Explain2021.pptx
+++ b/lab3/HW3Explain2021.pptx
@@ -201,7 +201,7 @@
           <a:p>
             <a:fld id="{29155346-97D4-4CE6-A0B5-386CC388E632}" type="datetimeFigureOut">
               <a:rPr lang="zh-TW" altLang="en-US" smtClean="0"/>
-              <a:t>2021/10/10</a:t>
+              <a:t>2021/10/17</a:t>
             </a:fld>
             <a:endParaRPr lang="zh-TW" altLang="en-US"/>
           </a:p>
@@ -862,7 +862,7 @@
           <a:p>
             <a:fld id="{CCA0D779-C9D7-43D7-B4AF-DF992C0953FB}" type="datetimeFigureOut">
               <a:rPr lang="zh-TW" altLang="en-US" smtClean="0"/>
-              <a:t>2021/10/10</a:t>
+              <a:t>2021/10/17</a:t>
             </a:fld>
             <a:endParaRPr lang="zh-TW" altLang="en-US"/>
           </a:p>
@@ -1070,7 +1070,7 @@
           <a:p>
             <a:fld id="{CCA0D779-C9D7-43D7-B4AF-DF992C0953FB}" type="datetimeFigureOut">
               <a:rPr lang="zh-TW" altLang="en-US" smtClean="0"/>
-              <a:t>2021/10/10</a:t>
+              <a:t>2021/10/17</a:t>
             </a:fld>
             <a:endParaRPr lang="zh-TW" altLang="en-US"/>
           </a:p>
@@ -1326,7 +1326,7 @@
           <a:p>
             <a:fld id="{CCA0D779-C9D7-43D7-B4AF-DF992C0953FB}" type="datetimeFigureOut">
               <a:rPr lang="zh-TW" altLang="en-US" smtClean="0"/>
-              <a:t>2021/10/10</a:t>
+              <a:t>2021/10/17</a:t>
             </a:fld>
             <a:endParaRPr lang="zh-TW" altLang="en-US"/>
           </a:p>
@@ -1500,7 +1500,7 @@
           <a:p>
             <a:fld id="{CCA0D779-C9D7-43D7-B4AF-DF992C0953FB}" type="datetimeFigureOut">
               <a:rPr lang="zh-TW" altLang="en-US" smtClean="0"/>
-              <a:t>2021/10/10</a:t>
+              <a:t>2021/10/17</a:t>
             </a:fld>
             <a:endParaRPr lang="zh-TW" altLang="en-US"/>
           </a:p>
@@ -1843,7 +1843,7 @@
           <a:p>
             <a:fld id="{CCA0D779-C9D7-43D7-B4AF-DF992C0953FB}" type="datetimeFigureOut">
               <a:rPr lang="zh-TW" altLang="en-US" smtClean="0"/>
-              <a:t>2021/10/10</a:t>
+              <a:t>2021/10/17</a:t>
             </a:fld>
             <a:endParaRPr lang="zh-TW" altLang="en-US"/>
           </a:p>
@@ -2118,7 +2118,7 @@
           <a:p>
             <a:fld id="{CCA0D779-C9D7-43D7-B4AF-DF992C0953FB}" type="datetimeFigureOut">
               <a:rPr lang="zh-TW" altLang="en-US" smtClean="0"/>
-              <a:t>2021/10/10</a:t>
+              <a:t>2021/10/17</a:t>
             </a:fld>
             <a:endParaRPr lang="zh-TW" altLang="en-US"/>
           </a:p>
@@ -2497,7 +2497,7 @@
           <a:p>
             <a:fld id="{CCA0D779-C9D7-43D7-B4AF-DF992C0953FB}" type="datetimeFigureOut">
               <a:rPr lang="zh-TW" altLang="en-US" smtClean="0"/>
-              <a:t>2021/10/10</a:t>
+              <a:t>2021/10/17</a:t>
             </a:fld>
             <a:endParaRPr lang="zh-TW" altLang="en-US"/>
           </a:p>
@@ -2615,7 +2615,7 @@
           <a:p>
             <a:fld id="{CCA0D779-C9D7-43D7-B4AF-DF992C0953FB}" type="datetimeFigureOut">
               <a:rPr lang="zh-TW" altLang="en-US" smtClean="0"/>
-              <a:t>2021/10/10</a:t>
+              <a:t>2021/10/17</a:t>
             </a:fld>
             <a:endParaRPr lang="zh-TW" altLang="en-US"/>
           </a:p>
@@ -2786,7 +2786,7 @@
           <a:p>
             <a:fld id="{CCA0D779-C9D7-43D7-B4AF-DF992C0953FB}" type="datetimeFigureOut">
               <a:rPr lang="zh-TW" altLang="en-US" smtClean="0"/>
-              <a:t>2021/10/10</a:t>
+              <a:t>2021/10/17</a:t>
             </a:fld>
             <a:endParaRPr lang="zh-TW" altLang="en-US"/>
           </a:p>
@@ -3140,7 +3140,7 @@
           <a:p>
             <a:fld id="{CCA0D779-C9D7-43D7-B4AF-DF992C0953FB}" type="datetimeFigureOut">
               <a:rPr lang="zh-TW" altLang="en-US" smtClean="0"/>
-              <a:t>2021/10/10</a:t>
+              <a:t>2021/10/17</a:t>
             </a:fld>
             <a:endParaRPr lang="zh-TW" altLang="en-US"/>
           </a:p>
@@ -3522,7 +3522,7 @@
           <a:p>
             <a:fld id="{CCA0D779-C9D7-43D7-B4AF-DF992C0953FB}" type="datetimeFigureOut">
               <a:rPr lang="zh-TW" altLang="en-US" smtClean="0"/>
-              <a:t>2021/10/10</a:t>
+              <a:t>2021/10/17</a:t>
             </a:fld>
             <a:endParaRPr lang="zh-TW" altLang="en-US"/>
           </a:p>
@@ -3809,7 +3809,7 @@
           <a:p>
             <a:fld id="{CCA0D779-C9D7-43D7-B4AF-DF992C0953FB}" type="datetimeFigureOut">
               <a:rPr lang="zh-TW" altLang="en-US" smtClean="0"/>
-              <a:t>2021/10/10</a:t>
+              <a:t>2021/10/17</a:t>
             </a:fld>
             <a:endParaRPr lang="zh-TW" altLang="en-US"/>
           </a:p>
@@ -4866,7 +4866,7 @@
             </a:pPr>
             <a:r>
               <a:rPr lang="en-US" altLang="zh-TW" dirty="0"/>
-              <a:t>27</a:t>
+              <a:t>31</a:t>
             </a:r>
           </a:p>
           <a:p>
@@ -5052,10 +5052,10 @@
       </p:sp>
       <p:pic>
         <p:nvPicPr>
-          <p:cNvPr id="5" name="圖片 4">
+          <p:cNvPr id="4" name="圖片 3">
             <a:extLst>
               <a:ext uri="{FF2B5EF4-FFF2-40B4-BE49-F238E27FC236}">
-                <a16:creationId xmlns:a16="http://schemas.microsoft.com/office/drawing/2014/main" id="{352115C4-F978-40D7-86A9-112F4FB1144C}"/>
+                <a16:creationId xmlns:a16="http://schemas.microsoft.com/office/drawing/2014/main" id="{3097B55C-8993-493A-84E0-DD7335C69066}"/>
               </a:ext>
             </a:extLst>
           </p:cNvPr>
@@ -5072,8 +5072,8 @@
         </p:blipFill>
         <p:spPr>
           <a:xfrm>
-            <a:off x="4057650" y="2995612"/>
-            <a:ext cx="4076700" cy="866775"/>
+            <a:off x="4105275" y="3009900"/>
+            <a:ext cx="3981450" cy="857250"/>
           </a:xfrm>
           <a:prstGeom prst="rect">
             <a:avLst/>
